--- a/13_1_Анализ и сегментация клиентов регианального банка Метанпром/Презентация13_final.pptx
+++ b/13_1_Анализ и сегментация клиентов регианального банка Метанпром/Презентация13_final.pptx
@@ -230,7 +230,7 @@
           <a:p>
             <a:fld id="{8946DCD8-FAEB-4B26-9342-F0C65A8B3D29}" type="datetimeFigureOut">
               <a:rPr lang="ru-RU" smtClean="0"/>
-              <a:t>21.05.2022</a:t>
+              <a:t>22.05.2022</a:t>
             </a:fld>
             <a:endParaRPr lang="ru-RU"/>
           </a:p>
@@ -407,7 +407,7 @@
           <a:p>
             <a:fld id="{89E03AB7-3EA9-48CB-9656-EA41D3571B4F}" type="datetimeFigureOut">
               <a:rPr lang="ru-RU" smtClean="0"/>
-              <a:t>21.05.2022</a:t>
+              <a:t>22.05.2022</a:t>
             </a:fld>
             <a:endParaRPr lang="ru-RU"/>
           </a:p>
@@ -948,7 +948,7 @@
           <a:p>
             <a:fld id="{E3BF6C89-17C1-4EC1-802F-CC28A7AC3DA6}" type="datetime1">
               <a:rPr lang="ru-RU" smtClean="0"/>
-              <a:t>21.05.2022</a:t>
+              <a:t>22.05.2022</a:t>
             </a:fld>
             <a:endParaRPr lang="ru-RU"/>
           </a:p>
@@ -1362,7 +1362,7 @@
           <a:p>
             <a:fld id="{AE092F2D-F724-4302-952D-D6426EB297B7}" type="datetime1">
               <a:rPr lang="ru-RU" smtClean="0"/>
-              <a:t>21.05.2022</a:t>
+              <a:t>22.05.2022</a:t>
             </a:fld>
             <a:endParaRPr lang="ru-RU"/>
           </a:p>
@@ -1698,7 +1698,7 @@
           <a:p>
             <a:fld id="{87567920-956D-4DAC-9378-0748FB8BCF2B}" type="datetime1">
               <a:rPr lang="ru-RU" smtClean="0"/>
-              <a:t>21.05.2022</a:t>
+              <a:t>22.05.2022</a:t>
             </a:fld>
             <a:endParaRPr lang="ru-RU"/>
           </a:p>
@@ -2103,7 +2103,7 @@
           <a:p>
             <a:fld id="{73CD5A18-A30D-4E80-B598-39EC5B38A103}" type="datetime1">
               <a:rPr lang="ru-RU" smtClean="0"/>
-              <a:t>21.05.2022</a:t>
+              <a:t>22.05.2022</a:t>
             </a:fld>
             <a:endParaRPr lang="ru-RU"/>
           </a:p>
@@ -2671,7 +2671,7 @@
           <a:p>
             <a:fld id="{0C631DCE-6CC3-4119-ADD1-40C6F3A79265}" type="datetime1">
               <a:rPr lang="ru-RU" smtClean="0"/>
-              <a:t>21.05.2022</a:t>
+              <a:t>22.05.2022</a:t>
             </a:fld>
             <a:endParaRPr lang="ru-RU"/>
           </a:p>
@@ -3352,7 +3352,7 @@
           <a:p>
             <a:fld id="{4460BB49-F69B-4341-B1F6-73A3F0C1659E}" type="datetime1">
               <a:rPr lang="ru-RU" smtClean="0"/>
-              <a:t>21.05.2022</a:t>
+              <a:t>22.05.2022</a:t>
             </a:fld>
             <a:endParaRPr lang="ru-RU"/>
           </a:p>
@@ -4265,7 +4265,7 @@
           <a:p>
             <a:fld id="{49E830EC-777A-4CF5-8CB3-1321BDE6009E}" type="datetime1">
               <a:rPr lang="ru-RU" smtClean="0"/>
-              <a:t>21.05.2022</a:t>
+              <a:t>22.05.2022</a:t>
             </a:fld>
             <a:endParaRPr lang="ru-RU"/>
           </a:p>
@@ -4578,7 +4578,7 @@
           <a:p>
             <a:fld id="{CAC93A0B-744E-4AA7-ADBD-99EAA095B49F}" type="datetime1">
               <a:rPr lang="ru-RU" smtClean="0"/>
-              <a:t>21.05.2022</a:t>
+              <a:t>22.05.2022</a:t>
             </a:fld>
             <a:endParaRPr lang="ru-RU"/>
           </a:p>
@@ -4842,7 +4842,7 @@
           <a:p>
             <a:fld id="{7EC6DFCB-ACA0-432B-8161-B926522A741D}" type="datetime1">
               <a:rPr lang="ru-RU" smtClean="0"/>
-              <a:t>21.05.2022</a:t>
+              <a:t>22.05.2022</a:t>
             </a:fld>
             <a:endParaRPr lang="ru-RU"/>
           </a:p>
@@ -5165,7 +5165,7 @@
           <a:p>
             <a:fld id="{892404B9-7A72-4A12-8263-D715EE072856}" type="datetime1">
               <a:rPr lang="ru-RU" smtClean="0"/>
-              <a:t>21.05.2022</a:t>
+              <a:t>22.05.2022</a:t>
             </a:fld>
             <a:endParaRPr lang="ru-RU"/>
           </a:p>
@@ -5554,7 +5554,7 @@
           <a:p>
             <a:fld id="{CD438807-ED05-41F9-B5D0-C87BC801D21B}" type="datetime1">
               <a:rPr lang="ru-RU" smtClean="0"/>
-              <a:t>21.05.2022</a:t>
+              <a:t>22.05.2022</a:t>
             </a:fld>
             <a:endParaRPr lang="ru-RU"/>
           </a:p>
@@ -5930,7 +5930,7 @@
           <a:p>
             <a:fld id="{B62404F3-E22E-4709-8A85-3B931AD023D9}" type="datetime1">
               <a:rPr lang="ru-RU" smtClean="0"/>
-              <a:t>21.05.2022</a:t>
+              <a:t>22.05.2022</a:t>
             </a:fld>
             <a:endParaRPr lang="ru-RU"/>
           </a:p>
@@ -6436,7 +6436,7 @@
           <a:p>
             <a:fld id="{33E39C41-DEB3-4483-82B8-99F3B78A7199}" type="datetime1">
               <a:rPr lang="ru-RU" smtClean="0"/>
-              <a:t>21.05.2022</a:t>
+              <a:t>22.05.2022</a:t>
             </a:fld>
             <a:endParaRPr lang="ru-RU"/>
           </a:p>
@@ -6693,7 +6693,7 @@
           <a:p>
             <a:fld id="{617BECEF-95FE-4EF1-B774-BCD9399BA4CA}" type="datetime1">
               <a:rPr lang="ru-RU" smtClean="0"/>
-              <a:t>21.05.2022</a:t>
+              <a:t>22.05.2022</a:t>
             </a:fld>
             <a:endParaRPr lang="ru-RU"/>
           </a:p>
@@ -6856,7 +6856,7 @@
           <a:p>
             <a:fld id="{EA571C8D-FB5A-4066-B3D3-68F634BB45E5}" type="datetime1">
               <a:rPr lang="ru-RU" smtClean="0"/>
-              <a:t>21.05.2022</a:t>
+              <a:t>22.05.2022</a:t>
             </a:fld>
             <a:endParaRPr lang="ru-RU"/>
           </a:p>
@@ -7246,7 +7246,7 @@
           <a:p>
             <a:fld id="{D65B3AC4-4B78-4F57-B2F9-071DBB172CF5}" type="datetime1">
               <a:rPr lang="ru-RU" smtClean="0"/>
-              <a:t>21.05.2022</a:t>
+              <a:t>22.05.2022</a:t>
             </a:fld>
             <a:endParaRPr lang="ru-RU"/>
           </a:p>
@@ -7655,7 +7655,7 @@
           <a:p>
             <a:fld id="{5963000B-959D-40BF-B7D9-B280E78F5DDF}" type="datetime1">
               <a:rPr lang="ru-RU" smtClean="0"/>
-              <a:t>21.05.2022</a:t>
+              <a:t>22.05.2022</a:t>
             </a:fld>
             <a:endParaRPr lang="ru-RU"/>
           </a:p>
@@ -7899,7 +7899,7 @@
           <a:p>
             <a:fld id="{70756963-04AA-4FE0-B17B-6ABAB80E8BF7}" type="datetime1">
               <a:rPr lang="ru-RU" smtClean="0"/>
-              <a:t>21.05.2022</a:t>
+              <a:t>22.05.2022</a:t>
             </a:fld>
             <a:endParaRPr lang="ru-RU"/>
           </a:p>
@@ -9272,14 +9272,19 @@
           <a:p>
             <a:r>
               <a:rPr lang="ru-RU" sz="2000" dirty="0"/>
-              <a:t>0 – отток</a:t>
+              <a:t>0 – остался</a:t>
             </a:r>
           </a:p>
           <a:p>
             <a:r>
               <a:rPr lang="ru-RU" sz="2000" dirty="0"/>
-              <a:t>1 - остался</a:t>
-            </a:r>
+              <a:t>1 </a:t>
+            </a:r>
+            <a:r>
+              <a:rPr lang="ru-RU" sz="2000"/>
+              <a:t>- отток</a:t>
+            </a:r>
+            <a:endParaRPr lang="ru-RU" sz="2000" dirty="0"/>
           </a:p>
         </p:txBody>
       </p:sp>
